--- a/img/sketch/app_sketch.pptx
+++ b/img/sketch/app_sketch.pptx
@@ -197,7 +197,7 @@
           <a:p>
             <a:fld id="{32DD0055-43E6-9044-95AF-B65387BEF08C}" type="datetimeFigureOut">
               <a:rPr lang="en-US" smtClean="0"/>
-              <a:t>11/29/2019</a:t>
+              <a:t>12/6/2019</a:t>
             </a:fld>
             <a:endParaRPr lang="en-US"/>
           </a:p>
@@ -593,7 +593,7 @@
           <a:p>
             <a:fld id="{24F81815-F26E-0943-B0A9-F4657508C3D9}" type="datetimeFigureOut">
               <a:rPr lang="en-US" smtClean="0"/>
-              <a:t>11/29/2019</a:t>
+              <a:t>12/6/2019</a:t>
             </a:fld>
             <a:endParaRPr lang="en-US"/>
           </a:p>
@@ -761,7 +761,7 @@
           <a:p>
             <a:fld id="{24F81815-F26E-0943-B0A9-F4657508C3D9}" type="datetimeFigureOut">
               <a:rPr lang="en-US" smtClean="0"/>
-              <a:t>11/29/2019</a:t>
+              <a:t>12/6/2019</a:t>
             </a:fld>
             <a:endParaRPr lang="en-US"/>
           </a:p>
@@ -939,7 +939,7 @@
           <a:p>
             <a:fld id="{24F81815-F26E-0943-B0A9-F4657508C3D9}" type="datetimeFigureOut">
               <a:rPr lang="en-US" smtClean="0"/>
-              <a:t>11/29/2019</a:t>
+              <a:t>12/6/2019</a:t>
             </a:fld>
             <a:endParaRPr lang="en-US"/>
           </a:p>
@@ -1107,7 +1107,7 @@
           <a:p>
             <a:fld id="{24F81815-F26E-0943-B0A9-F4657508C3D9}" type="datetimeFigureOut">
               <a:rPr lang="en-US" smtClean="0"/>
-              <a:t>11/29/2019</a:t>
+              <a:t>12/6/2019</a:t>
             </a:fld>
             <a:endParaRPr lang="en-US"/>
           </a:p>
@@ -1352,7 +1352,7 @@
           <a:p>
             <a:fld id="{24F81815-F26E-0943-B0A9-F4657508C3D9}" type="datetimeFigureOut">
               <a:rPr lang="en-US" smtClean="0"/>
-              <a:t>11/29/2019</a:t>
+              <a:t>12/6/2019</a:t>
             </a:fld>
             <a:endParaRPr lang="en-US"/>
           </a:p>
@@ -1581,7 +1581,7 @@
           <a:p>
             <a:fld id="{24F81815-F26E-0943-B0A9-F4657508C3D9}" type="datetimeFigureOut">
               <a:rPr lang="en-US" smtClean="0"/>
-              <a:t>11/29/2019</a:t>
+              <a:t>12/6/2019</a:t>
             </a:fld>
             <a:endParaRPr lang="en-US"/>
           </a:p>
@@ -1945,7 +1945,7 @@
           <a:p>
             <a:fld id="{24F81815-F26E-0943-B0A9-F4657508C3D9}" type="datetimeFigureOut">
               <a:rPr lang="en-US" smtClean="0"/>
-              <a:t>11/29/2019</a:t>
+              <a:t>12/6/2019</a:t>
             </a:fld>
             <a:endParaRPr lang="en-US"/>
           </a:p>
@@ -2062,7 +2062,7 @@
           <a:p>
             <a:fld id="{24F81815-F26E-0943-B0A9-F4657508C3D9}" type="datetimeFigureOut">
               <a:rPr lang="en-US" smtClean="0"/>
-              <a:t>11/29/2019</a:t>
+              <a:t>12/6/2019</a:t>
             </a:fld>
             <a:endParaRPr lang="en-US"/>
           </a:p>
@@ -2157,7 +2157,7 @@
           <a:p>
             <a:fld id="{24F81815-F26E-0943-B0A9-F4657508C3D9}" type="datetimeFigureOut">
               <a:rPr lang="en-US" smtClean="0"/>
-              <a:t>11/29/2019</a:t>
+              <a:t>12/6/2019</a:t>
             </a:fld>
             <a:endParaRPr lang="en-US"/>
           </a:p>
@@ -2432,7 +2432,7 @@
           <a:p>
             <a:fld id="{24F81815-F26E-0943-B0A9-F4657508C3D9}" type="datetimeFigureOut">
               <a:rPr lang="en-US" smtClean="0"/>
-              <a:t>11/29/2019</a:t>
+              <a:t>12/6/2019</a:t>
             </a:fld>
             <a:endParaRPr lang="en-US"/>
           </a:p>
@@ -2684,7 +2684,7 @@
           <a:p>
             <a:fld id="{24F81815-F26E-0943-B0A9-F4657508C3D9}" type="datetimeFigureOut">
               <a:rPr lang="en-US" smtClean="0"/>
-              <a:t>11/29/2019</a:t>
+              <a:t>12/6/2019</a:t>
             </a:fld>
             <a:endParaRPr lang="en-US"/>
           </a:p>
@@ -2895,7 +2895,7 @@
           <a:p>
             <a:fld id="{24F81815-F26E-0943-B0A9-F4657508C3D9}" type="datetimeFigureOut">
               <a:rPr lang="en-US" smtClean="0"/>
-              <a:t>11/29/2019</a:t>
+              <a:t>12/6/2019</a:t>
             </a:fld>
             <a:endParaRPr lang="en-US"/>
           </a:p>
@@ -3436,8 +3436,8 @@
           </p:nvSpPr>
           <p:spPr>
             <a:xfrm>
-              <a:off x="4766913" y="1280484"/>
-              <a:ext cx="293914" cy="1175657"/>
+              <a:off x="4766912" y="741220"/>
+              <a:ext cx="359090" cy="1714921"/>
             </a:xfrm>
             <a:prstGeom prst="rect">
               <a:avLst/>
@@ -3477,8 +3477,8 @@
           </p:nvSpPr>
           <p:spPr>
             <a:xfrm>
-              <a:off x="5287728" y="1760870"/>
-              <a:ext cx="283029" cy="693964"/>
+              <a:off x="5287726" y="873608"/>
+              <a:ext cx="321819" cy="1581226"/>
             </a:xfrm>
             <a:prstGeom prst="rect">
               <a:avLst/>
@@ -3600,8 +3600,8 @@
           </p:nvSpPr>
           <p:spPr>
             <a:xfrm>
-              <a:off x="6961412" y="1159329"/>
-              <a:ext cx="277586" cy="1314449"/>
+              <a:off x="6918034" y="1605408"/>
+              <a:ext cx="341385" cy="862165"/>
             </a:xfrm>
             <a:prstGeom prst="rect">
               <a:avLst/>
@@ -3629,7 +3629,7 @@
             <a:lstStyle/>
             <a:p>
               <a:pPr algn="ctr"/>
-              <a:endParaRPr lang="en-US"/>
+              <a:endParaRPr lang="en-US" dirty="0"/>
             </a:p>
           </p:txBody>
         </p:sp>
@@ -3641,8 +3641,8 @@
           </p:nvSpPr>
           <p:spPr>
             <a:xfrm>
-              <a:off x="7507063" y="2144409"/>
-              <a:ext cx="291196" cy="324633"/>
+              <a:off x="7507064" y="1666019"/>
+              <a:ext cx="397132" cy="803023"/>
             </a:xfrm>
             <a:prstGeom prst="rect">
               <a:avLst/>
@@ -3723,8 +3723,8 @@
           </p:nvSpPr>
           <p:spPr>
             <a:xfrm>
-              <a:off x="8661292" y="810203"/>
-              <a:ext cx="310242" cy="1663575"/>
+              <a:off x="8661292" y="1868156"/>
+              <a:ext cx="334653" cy="605621"/>
             </a:xfrm>
             <a:prstGeom prst="rect">
               <a:avLst/>
@@ -3764,8 +3764,8 @@
           </p:nvSpPr>
           <p:spPr>
             <a:xfrm>
-              <a:off x="9268170" y="1528660"/>
-              <a:ext cx="321124" cy="953283"/>
+              <a:off x="9268170" y="2013702"/>
+              <a:ext cx="351933" cy="468241"/>
             </a:xfrm>
             <a:prstGeom prst="rect">
               <a:avLst/>
@@ -3805,8 +3805,8 @@
           </p:nvSpPr>
           <p:spPr>
             <a:xfrm>
-              <a:off x="9904987" y="1257300"/>
-              <a:ext cx="332014" cy="1216478"/>
+              <a:off x="9904987" y="2200724"/>
+              <a:ext cx="274156" cy="273054"/>
             </a:xfrm>
             <a:prstGeom prst="rect">
               <a:avLst/>
@@ -4935,7 +4935,7 @@
           </p:nvSpPr>
           <p:spPr>
             <a:xfrm>
-              <a:off x="5216954" y="3483539"/>
+              <a:off x="5206226" y="3643454"/>
               <a:ext cx="1072243" cy="369331"/>
             </a:xfrm>
             <a:prstGeom prst="rect">
@@ -5512,8 +5512,8 @@
         </p:nvSpPr>
         <p:spPr>
           <a:xfrm>
-            <a:off x="2692746" y="548755"/>
-            <a:ext cx="5940513" cy="553998"/>
+            <a:off x="1303000" y="548755"/>
+            <a:ext cx="7330259" cy="553998"/>
           </a:xfrm>
           <a:prstGeom prst="rect">
             <a:avLst/>
@@ -5526,7 +5526,6 @@
           </a:bodyPr>
           <a:lstStyle/>
           <a:p>
-            <a:pPr algn="ctr"/>
             <a:r>
               <a:rPr lang="en-US" dirty="0">
                 <a:latin typeface="Berlin Sans FB" panose="020E0602020502020306" pitchFamily="34" charset="0"/>
@@ -5537,7 +5536,6 @@
             </a:r>
           </a:p>
           <a:p>
-            <a:pPr algn="ctr"/>
             <a:r>
               <a:rPr lang="en-US" sz="1200" dirty="0">
                 <a:latin typeface="Berlin Sans FB" panose="020E0602020502020306" pitchFamily="34" charset="0"/>
@@ -5973,7 +5971,7 @@
         </p:nvSpPr>
         <p:spPr>
           <a:xfrm>
-            <a:off x="3188657" y="1346430"/>
+            <a:off x="6291028" y="1310376"/>
             <a:ext cx="3122744" cy="246864"/>
           </a:xfrm>
           <a:prstGeom prst="rect">
@@ -6011,7 +6009,7 @@
         </p:nvSpPr>
         <p:spPr>
           <a:xfrm>
-            <a:off x="3106065" y="1303190"/>
+            <a:off x="6208436" y="1267136"/>
             <a:ext cx="3081449" cy="307777"/>
           </a:xfrm>
           <a:prstGeom prst="rect">
@@ -6480,6 +6478,226 @@
           </a:fontRef>
         </p:style>
       </p:cxnSp>
+      <p:sp>
+        <p:nvSpPr>
+          <p:cNvPr id="81" name="TextBox 80">
+            <a:extLst>
+              <a:ext uri="{FF2B5EF4-FFF2-40B4-BE49-F238E27FC236}">
+                <a16:creationId xmlns:a16="http://schemas.microsoft.com/office/drawing/2014/main" id="{EB8D4A63-443B-40A5-A18B-2D69FD707693}"/>
+              </a:ext>
+            </a:extLst>
+          </p:cNvPr>
+          <p:cNvSpPr txBox="1"/>
+          <p:nvPr/>
+        </p:nvSpPr>
+        <p:spPr>
+          <a:xfrm>
+            <a:off x="3589530" y="1226713"/>
+            <a:ext cx="1590440" cy="369332"/>
+          </a:xfrm>
+          <a:prstGeom prst="rect">
+            <a:avLst/>
+          </a:prstGeom>
+          <a:noFill/>
+        </p:spPr>
+        <p:txBody>
+          <a:bodyPr wrap="square" rtlCol="0">
+            <a:spAutoFit/>
+          </a:bodyPr>
+          <a:lstStyle/>
+          <a:p>
+            <a:r>
+              <a:rPr lang="en-US" dirty="0">
+                <a:latin typeface="Berlin Sans FB" panose="020E0602020502020306" pitchFamily="34" charset="0"/>
+                <a:ea typeface="Chalkboard" charset="0"/>
+                <a:cs typeface="Chalkboard" charset="0"/>
+              </a:rPr>
+              <a:t>Directors</a:t>
+            </a:r>
+          </a:p>
+        </p:txBody>
+      </p:sp>
+      <p:sp>
+        <p:nvSpPr>
+          <p:cNvPr id="82" name="TextBox 81">
+            <a:extLst>
+              <a:ext uri="{FF2B5EF4-FFF2-40B4-BE49-F238E27FC236}">
+                <a16:creationId xmlns:a16="http://schemas.microsoft.com/office/drawing/2014/main" id="{66CFCC52-A62B-45F3-9396-E9715CA88799}"/>
+              </a:ext>
+            </a:extLst>
+          </p:cNvPr>
+          <p:cNvSpPr txBox="1"/>
+          <p:nvPr/>
+        </p:nvSpPr>
+        <p:spPr>
+          <a:xfrm>
+            <a:off x="5332860" y="606673"/>
+            <a:ext cx="1291810" cy="584775"/>
+          </a:xfrm>
+          <a:prstGeom prst="rect">
+            <a:avLst/>
+          </a:prstGeom>
+          <a:noFill/>
+        </p:spPr>
+        <p:txBody>
+          <a:bodyPr wrap="square" rtlCol="0">
+            <a:spAutoFit/>
+          </a:bodyPr>
+          <a:lstStyle/>
+          <a:p>
+            <a:r>
+              <a:rPr lang="en-US" sz="1600" b="1" dirty="0">
+                <a:latin typeface="Ink Free" panose="03080402000500000000" pitchFamily="66" charset="0"/>
+                <a:ea typeface="Bradley Hand" charset="0"/>
+                <a:cs typeface="Bradley Hand" charset="0"/>
+              </a:rPr>
+              <a:t>Dropdown </a:t>
+            </a:r>
+          </a:p>
+          <a:p>
+            <a:r>
+              <a:rPr lang="en-US" sz="1600" b="1" dirty="0">
+                <a:latin typeface="Ink Free" panose="03080402000500000000" pitchFamily="66" charset="0"/>
+                <a:ea typeface="Bradley Hand" charset="0"/>
+                <a:cs typeface="Bradley Hand" charset="0"/>
+              </a:rPr>
+              <a:t>Menu </a:t>
+            </a:r>
+          </a:p>
+        </p:txBody>
+      </p:sp>
+      <p:sp>
+        <p:nvSpPr>
+          <p:cNvPr id="84" name="Rectangle 83">
+            <a:extLst>
+              <a:ext uri="{FF2B5EF4-FFF2-40B4-BE49-F238E27FC236}">
+                <a16:creationId xmlns:a16="http://schemas.microsoft.com/office/drawing/2014/main" id="{BD328FEE-C2FF-4CA6-87E4-062375EAEEA0}"/>
+              </a:ext>
+            </a:extLst>
+          </p:cNvPr>
+          <p:cNvSpPr/>
+          <p:nvPr/>
+        </p:nvSpPr>
+        <p:spPr>
+          <a:xfrm>
+            <a:off x="4637862" y="1302158"/>
+            <a:ext cx="813046" cy="246864"/>
+          </a:xfrm>
+          <a:prstGeom prst="rect">
+            <a:avLst/>
+          </a:prstGeom>
+        </p:spPr>
+        <p:style>
+          <a:lnRef idx="2">
+            <a:schemeClr val="accent6"/>
+          </a:lnRef>
+          <a:fillRef idx="1">
+            <a:schemeClr val="lt1"/>
+          </a:fillRef>
+          <a:effectRef idx="0">
+            <a:schemeClr val="accent6"/>
+          </a:effectRef>
+          <a:fontRef idx="minor">
+            <a:schemeClr val="dk1"/>
+          </a:fontRef>
+        </p:style>
+        <p:txBody>
+          <a:bodyPr rtlCol="0" anchor="ctr"/>
+          <a:lstStyle/>
+          <a:p>
+            <a:pPr algn="ctr"/>
+            <a:endParaRPr lang="en-US"/>
+          </a:p>
+        </p:txBody>
+      </p:sp>
+      <p:cxnSp>
+        <p:nvCxnSpPr>
+          <p:cNvPr id="3" name="Straight Arrow Connector 2">
+            <a:extLst>
+              <a:ext uri="{FF2B5EF4-FFF2-40B4-BE49-F238E27FC236}">
+                <a16:creationId xmlns:a16="http://schemas.microsoft.com/office/drawing/2014/main" id="{607AEF11-1271-46AE-AE19-E462D4FF5367}"/>
+              </a:ext>
+            </a:extLst>
+          </p:cNvPr>
+          <p:cNvCxnSpPr/>
+          <p:nvPr/>
+        </p:nvCxnSpPr>
+        <p:spPr>
+          <a:xfrm flipH="1">
+            <a:off x="5208973" y="1128693"/>
+            <a:ext cx="210836" cy="126791"/>
+          </a:xfrm>
+          <a:prstGeom prst="straightConnector1">
+            <a:avLst/>
+          </a:prstGeom>
+          <a:ln>
+            <a:solidFill>
+              <a:schemeClr val="tx1"/>
+            </a:solidFill>
+            <a:tailEnd type="triangle"/>
+          </a:ln>
+        </p:spPr>
+        <p:style>
+          <a:lnRef idx="1">
+            <a:schemeClr val="accent1"/>
+          </a:lnRef>
+          <a:fillRef idx="0">
+            <a:schemeClr val="accent1"/>
+          </a:fillRef>
+          <a:effectRef idx="0">
+            <a:schemeClr val="accent1"/>
+          </a:effectRef>
+          <a:fontRef idx="minor">
+            <a:schemeClr val="tx1"/>
+          </a:fontRef>
+        </p:style>
+      </p:cxnSp>
+      <p:sp>
+        <p:nvSpPr>
+          <p:cNvPr id="87" name="Triangle 46">
+            <a:extLst>
+              <a:ext uri="{FF2B5EF4-FFF2-40B4-BE49-F238E27FC236}">
+                <a16:creationId xmlns:a16="http://schemas.microsoft.com/office/drawing/2014/main" id="{79E296AB-C66C-46E8-982A-64BD93088FA6}"/>
+              </a:ext>
+            </a:extLst>
+          </p:cNvPr>
+          <p:cNvSpPr/>
+          <p:nvPr/>
+        </p:nvSpPr>
+        <p:spPr>
+          <a:xfrm flipH="1" flipV="1">
+            <a:off x="5210357" y="1352382"/>
+            <a:ext cx="194638" cy="137283"/>
+          </a:xfrm>
+          <a:prstGeom prst="triangle">
+            <a:avLst/>
+          </a:prstGeom>
+        </p:spPr>
+        <p:style>
+          <a:lnRef idx="2">
+            <a:schemeClr val="dk1">
+              <a:shade val="50000"/>
+            </a:schemeClr>
+          </a:lnRef>
+          <a:fillRef idx="1">
+            <a:schemeClr val="dk1"/>
+          </a:fillRef>
+          <a:effectRef idx="0">
+            <a:schemeClr val="dk1"/>
+          </a:effectRef>
+          <a:fontRef idx="minor">
+            <a:schemeClr val="lt1"/>
+          </a:fontRef>
+        </p:style>
+        <p:txBody>
+          <a:bodyPr rtlCol="0" anchor="ctr"/>
+          <a:lstStyle/>
+          <a:p>
+            <a:pPr algn="ctr"/>
+            <a:endParaRPr lang="en-US"/>
+          </a:p>
+        </p:txBody>
+      </p:sp>
     </p:spTree>
     <p:extLst>
       <p:ext uri="{BB962C8B-B14F-4D97-AF65-F5344CB8AC3E}">

--- a/img/sketch/app_sketch.pptx
+++ b/img/sketch/app_sketch.pptx
@@ -197,7 +197,7 @@
           <a:p>
             <a:fld id="{32DD0055-43E6-9044-95AF-B65387BEF08C}" type="datetimeFigureOut">
               <a:rPr lang="en-US" smtClean="0"/>
-              <a:t>12/6/2019</a:t>
+              <a:t>12/6/19</a:t>
             </a:fld>
             <a:endParaRPr lang="en-US"/>
           </a:p>
@@ -593,7 +593,7 @@
           <a:p>
             <a:fld id="{24F81815-F26E-0943-B0A9-F4657508C3D9}" type="datetimeFigureOut">
               <a:rPr lang="en-US" smtClean="0"/>
-              <a:t>12/6/2019</a:t>
+              <a:t>12/6/19</a:t>
             </a:fld>
             <a:endParaRPr lang="en-US"/>
           </a:p>
@@ -761,7 +761,7 @@
           <a:p>
             <a:fld id="{24F81815-F26E-0943-B0A9-F4657508C3D9}" type="datetimeFigureOut">
               <a:rPr lang="en-US" smtClean="0"/>
-              <a:t>12/6/2019</a:t>
+              <a:t>12/6/19</a:t>
             </a:fld>
             <a:endParaRPr lang="en-US"/>
           </a:p>
@@ -939,7 +939,7 @@
           <a:p>
             <a:fld id="{24F81815-F26E-0943-B0A9-F4657508C3D9}" type="datetimeFigureOut">
               <a:rPr lang="en-US" smtClean="0"/>
-              <a:t>12/6/2019</a:t>
+              <a:t>12/6/19</a:t>
             </a:fld>
             <a:endParaRPr lang="en-US"/>
           </a:p>
@@ -1107,7 +1107,7 @@
           <a:p>
             <a:fld id="{24F81815-F26E-0943-B0A9-F4657508C3D9}" type="datetimeFigureOut">
               <a:rPr lang="en-US" smtClean="0"/>
-              <a:t>12/6/2019</a:t>
+              <a:t>12/6/19</a:t>
             </a:fld>
             <a:endParaRPr lang="en-US"/>
           </a:p>
@@ -1352,7 +1352,7 @@
           <a:p>
             <a:fld id="{24F81815-F26E-0943-B0A9-F4657508C3D9}" type="datetimeFigureOut">
               <a:rPr lang="en-US" smtClean="0"/>
-              <a:t>12/6/2019</a:t>
+              <a:t>12/6/19</a:t>
             </a:fld>
             <a:endParaRPr lang="en-US"/>
           </a:p>
@@ -1581,7 +1581,7 @@
           <a:p>
             <a:fld id="{24F81815-F26E-0943-B0A9-F4657508C3D9}" type="datetimeFigureOut">
               <a:rPr lang="en-US" smtClean="0"/>
-              <a:t>12/6/2019</a:t>
+              <a:t>12/6/19</a:t>
             </a:fld>
             <a:endParaRPr lang="en-US"/>
           </a:p>
@@ -1945,7 +1945,7 @@
           <a:p>
             <a:fld id="{24F81815-F26E-0943-B0A9-F4657508C3D9}" type="datetimeFigureOut">
               <a:rPr lang="en-US" smtClean="0"/>
-              <a:t>12/6/2019</a:t>
+              <a:t>12/6/19</a:t>
             </a:fld>
             <a:endParaRPr lang="en-US"/>
           </a:p>
@@ -2062,7 +2062,7 @@
           <a:p>
             <a:fld id="{24F81815-F26E-0943-B0A9-F4657508C3D9}" type="datetimeFigureOut">
               <a:rPr lang="en-US" smtClean="0"/>
-              <a:t>12/6/2019</a:t>
+              <a:t>12/6/19</a:t>
             </a:fld>
             <a:endParaRPr lang="en-US"/>
           </a:p>
@@ -2157,7 +2157,7 @@
           <a:p>
             <a:fld id="{24F81815-F26E-0943-B0A9-F4657508C3D9}" type="datetimeFigureOut">
               <a:rPr lang="en-US" smtClean="0"/>
-              <a:t>12/6/2019</a:t>
+              <a:t>12/6/19</a:t>
             </a:fld>
             <a:endParaRPr lang="en-US"/>
           </a:p>
@@ -2432,7 +2432,7 @@
           <a:p>
             <a:fld id="{24F81815-F26E-0943-B0A9-F4657508C3D9}" type="datetimeFigureOut">
               <a:rPr lang="en-US" smtClean="0"/>
-              <a:t>12/6/2019</a:t>
+              <a:t>12/6/19</a:t>
             </a:fld>
             <a:endParaRPr lang="en-US"/>
           </a:p>
@@ -2684,7 +2684,7 @@
           <a:p>
             <a:fld id="{24F81815-F26E-0943-B0A9-F4657508C3D9}" type="datetimeFigureOut">
               <a:rPr lang="en-US" smtClean="0"/>
-              <a:t>12/6/2019</a:t>
+              <a:t>12/6/19</a:t>
             </a:fld>
             <a:endParaRPr lang="en-US"/>
           </a:p>
@@ -2895,7 +2895,7 @@
           <a:p>
             <a:fld id="{24F81815-F26E-0943-B0A9-F4657508C3D9}" type="datetimeFigureOut">
               <a:rPr lang="en-US" smtClean="0"/>
-              <a:t>12/6/2019</a:t>
+              <a:t>12/6/19</a:t>
             </a:fld>
             <a:endParaRPr lang="en-US"/>
           </a:p>
@@ -3309,7 +3309,7 @@
         <p:spPr>
           <a:xfrm>
             <a:off x="1155440" y="436835"/>
-            <a:ext cx="9661363" cy="776242"/>
+            <a:ext cx="9661363" cy="657072"/>
           </a:xfrm>
           <a:prstGeom prst="rect">
             <a:avLst/>
@@ -3354,10 +3354,10 @@
         </p:nvGrpSpPr>
         <p:grpSpPr>
           <a:xfrm rot="5400000">
-            <a:off x="936632" y="1766849"/>
-            <a:ext cx="4668474" cy="4481866"/>
-            <a:chOff x="3971494" y="82514"/>
-            <a:chExt cx="7537448" cy="2878675"/>
+            <a:off x="513192" y="1940244"/>
+            <a:ext cx="4325632" cy="4428565"/>
+            <a:chOff x="3998081" y="293883"/>
+            <a:chExt cx="6983915" cy="2844440"/>
           </a:xfrm>
         </p:grpSpPr>
         <p:sp>
@@ -3368,8 +3368,8 @@
           </p:nvSpPr>
           <p:spPr>
             <a:xfrm rot="16200000">
-              <a:off x="3086259" y="967749"/>
-              <a:ext cx="2366771" cy="596302"/>
+              <a:off x="3203336" y="1088628"/>
+              <a:ext cx="2185792" cy="596302"/>
             </a:xfrm>
             <a:prstGeom prst="rect">
               <a:avLst/>
@@ -3406,8 +3406,8 @@
           </p:nvCxnSpPr>
           <p:spPr>
             <a:xfrm rot="16200000" flipH="1">
-              <a:off x="7807691" y="-752571"/>
-              <a:ext cx="16328" cy="6452700"/>
+              <a:off x="7524095" y="-468975"/>
+              <a:ext cx="14139" cy="5883319"/>
             </a:xfrm>
             <a:prstGeom prst="line">
               <a:avLst/>
@@ -3436,8 +3436,8 @@
           </p:nvSpPr>
           <p:spPr>
             <a:xfrm>
-              <a:off x="4766912" y="741220"/>
-              <a:ext cx="359090" cy="1714921"/>
+              <a:off x="4766913" y="1280484"/>
+              <a:ext cx="293914" cy="1175657"/>
             </a:xfrm>
             <a:prstGeom prst="rect">
               <a:avLst/>
@@ -3477,8 +3477,8 @@
           </p:nvSpPr>
           <p:spPr>
             <a:xfrm>
-              <a:off x="5287726" y="873608"/>
-              <a:ext cx="321819" cy="1581226"/>
+              <a:off x="5287728" y="1760870"/>
+              <a:ext cx="283029" cy="693964"/>
             </a:xfrm>
             <a:prstGeom prst="rect">
               <a:avLst/>
@@ -3559,7 +3559,7 @@
           </p:nvSpPr>
           <p:spPr>
             <a:xfrm>
-              <a:off x="6373584" y="1528660"/>
+              <a:off x="6430385" y="1528660"/>
               <a:ext cx="283028" cy="945118"/>
             </a:xfrm>
             <a:prstGeom prst="rect">
@@ -3600,8 +3600,8 @@
           </p:nvSpPr>
           <p:spPr>
             <a:xfrm>
-              <a:off x="6918034" y="1605408"/>
-              <a:ext cx="341385" cy="862165"/>
+              <a:off x="6961412" y="1159329"/>
+              <a:ext cx="277586" cy="1314449"/>
             </a:xfrm>
             <a:prstGeom prst="rect">
               <a:avLst/>
@@ -3629,7 +3629,7 @@
             <a:lstStyle/>
             <a:p>
               <a:pPr algn="ctr"/>
-              <a:endParaRPr lang="en-US" dirty="0"/>
+              <a:endParaRPr lang="en-US"/>
             </a:p>
           </p:txBody>
         </p:sp>
@@ -3641,8 +3641,8 @@
           </p:nvSpPr>
           <p:spPr>
             <a:xfrm>
-              <a:off x="7507064" y="1666019"/>
-              <a:ext cx="397132" cy="803023"/>
+              <a:off x="7507063" y="2144409"/>
+              <a:ext cx="291196" cy="324633"/>
             </a:xfrm>
             <a:prstGeom prst="rect">
               <a:avLst/>
@@ -3723,8 +3723,8 @@
           </p:nvSpPr>
           <p:spPr>
             <a:xfrm>
-              <a:off x="8661292" y="1868156"/>
-              <a:ext cx="334653" cy="605621"/>
+              <a:off x="8661292" y="810203"/>
+              <a:ext cx="310242" cy="1663575"/>
             </a:xfrm>
             <a:prstGeom prst="rect">
               <a:avLst/>
@@ -3764,8 +3764,8 @@
           </p:nvSpPr>
           <p:spPr>
             <a:xfrm>
-              <a:off x="9268170" y="2013702"/>
-              <a:ext cx="351933" cy="468241"/>
+              <a:off x="9268170" y="1528660"/>
+              <a:ext cx="321124" cy="953283"/>
             </a:xfrm>
             <a:prstGeom prst="rect">
               <a:avLst/>
@@ -3805,49 +3805,8 @@
           </p:nvSpPr>
           <p:spPr>
             <a:xfrm>
-              <a:off x="9904987" y="2200724"/>
-              <a:ext cx="274156" cy="273054"/>
-            </a:xfrm>
-            <a:prstGeom prst="rect">
-              <a:avLst/>
-            </a:prstGeom>
-            <a:solidFill>
-              <a:schemeClr val="accent5"/>
-            </a:solidFill>
-          </p:spPr>
-          <p:style>
-            <a:lnRef idx="2">
-              <a:schemeClr val="accent5"/>
-            </a:lnRef>
-            <a:fillRef idx="1">
-              <a:schemeClr val="lt1"/>
-            </a:fillRef>
-            <a:effectRef idx="0">
-              <a:schemeClr val="accent5"/>
-            </a:effectRef>
-            <a:fontRef idx="minor">
-              <a:schemeClr val="dk1"/>
-            </a:fontRef>
-          </p:style>
-          <p:txBody>
-            <a:bodyPr rtlCol="0" anchor="ctr"/>
-            <a:lstStyle/>
-            <a:p>
-              <a:pPr algn="ctr"/>
-              <a:endParaRPr lang="en-US"/>
-            </a:p>
-          </p:txBody>
-        </p:sp>
-        <p:sp>
-          <p:nvSpPr>
-            <p:cNvPr id="18" name="Rectangle 17"/>
-            <p:cNvSpPr/>
-            <p:nvPr/>
-          </p:nvSpPr>
-          <p:spPr>
-            <a:xfrm>
-              <a:off x="10516974" y="2269671"/>
-              <a:ext cx="277587" cy="204107"/>
+              <a:off x="9904987" y="1257300"/>
+              <a:ext cx="332014" cy="1216478"/>
             </a:xfrm>
             <a:prstGeom prst="rect">
               <a:avLst/>
@@ -3920,7 +3879,7 @@
           </p:nvSpPr>
           <p:spPr>
             <a:xfrm>
-              <a:off x="10763564" y="411468"/>
+              <a:off x="10236618" y="588602"/>
               <a:ext cx="745378" cy="2549721"/>
             </a:xfrm>
             <a:prstGeom prst="rect">
@@ -3952,7 +3911,7 @@
           <p:cNvPr id="27" name="Rectangle 26">
             <a:extLst>
               <a:ext uri="{FF2B5EF4-FFF2-40B4-BE49-F238E27FC236}">
-                <a16:creationId xmlns:a16="http://schemas.microsoft.com/office/drawing/2014/main" id="{D7D4A0B3-60F7-4EC4-80FA-ABEF393D61C7}"/>
+                <a16:creationId xmlns:a16="http://schemas.microsoft.com/office/drawing/2014/main" xmlns="" id="{D7D4A0B3-60F7-4EC4-80FA-ABEF393D61C7}"/>
               </a:ext>
             </a:extLst>
           </p:cNvPr>
@@ -4004,7 +3963,7 @@
           <p:cNvPr id="76" name="Straight Arrow Connector 75">
             <a:extLst>
               <a:ext uri="{FF2B5EF4-FFF2-40B4-BE49-F238E27FC236}">
-                <a16:creationId xmlns:a16="http://schemas.microsoft.com/office/drawing/2014/main" id="{27E91071-DC6B-4FAD-BAAF-DAA1738C6E03}"/>
+                <a16:creationId xmlns:a16="http://schemas.microsoft.com/office/drawing/2014/main" xmlns="" id="{27E91071-DC6B-4FAD-BAAF-DAA1738C6E03}"/>
               </a:ext>
             </a:extLst>
           </p:cNvPr>
@@ -4045,10 +4004,10 @@
       </p:cxnSp>
       <p:sp>
         <p:nvSpPr>
-          <p:cNvPr id="77" name="TextBox 76">
+          <p:cNvPr id="80" name="TextBox 79">
             <a:extLst>
               <a:ext uri="{FF2B5EF4-FFF2-40B4-BE49-F238E27FC236}">
-                <a16:creationId xmlns:a16="http://schemas.microsoft.com/office/drawing/2014/main" id="{CE8C0DCD-7D27-4BEA-871C-E5863C238267}"/>
+                <a16:creationId xmlns:a16="http://schemas.microsoft.com/office/drawing/2014/main" xmlns="" id="{E86AE56D-87DB-4A7B-96B7-0DC85D6B08B9}"/>
               </a:ext>
             </a:extLst>
           </p:cNvPr>
@@ -4057,8 +4016,8 @@
         </p:nvSpPr>
         <p:spPr>
           <a:xfrm>
-            <a:off x="1313214" y="1270985"/>
-            <a:ext cx="1409212" cy="369332"/>
+            <a:off x="148256" y="932929"/>
+            <a:ext cx="1291810" cy="584775"/>
           </a:xfrm>
           <a:prstGeom prst="rect">
             <a:avLst/>
@@ -4072,47 +4031,8 @@
           <a:lstStyle/>
           <a:p>
             <a:r>
-              <a:rPr lang="en-US" dirty="0">
-                <a:latin typeface="Berlin Sans FB" panose="020E0602020502020306" pitchFamily="34" charset="0"/>
-                <a:ea typeface="Chalkboard" charset="0"/>
-                <a:cs typeface="Chalkboard" charset="0"/>
-              </a:rPr>
-              <a:t>Genres</a:t>
-            </a:r>
-          </a:p>
-        </p:txBody>
-      </p:sp>
-      <p:sp>
-        <p:nvSpPr>
-          <p:cNvPr id="80" name="TextBox 79">
-            <a:extLst>
-              <a:ext uri="{FF2B5EF4-FFF2-40B4-BE49-F238E27FC236}">
-                <a16:creationId xmlns:a16="http://schemas.microsoft.com/office/drawing/2014/main" id="{E86AE56D-87DB-4A7B-96B7-0DC85D6B08B9}"/>
-              </a:ext>
-            </a:extLst>
-          </p:cNvPr>
-          <p:cNvSpPr txBox="1"/>
-          <p:nvPr/>
-        </p:nvSpPr>
-        <p:spPr>
-          <a:xfrm>
-            <a:off x="148256" y="932929"/>
-            <a:ext cx="1291810" cy="584775"/>
-          </a:xfrm>
-          <a:prstGeom prst="rect">
-            <a:avLst/>
-          </a:prstGeom>
-          <a:noFill/>
-        </p:spPr>
-        <p:txBody>
-          <a:bodyPr wrap="square" rtlCol="0">
-            <a:spAutoFit/>
-          </a:bodyPr>
-          <a:lstStyle/>
-          <a:p>
-            <a:r>
               <a:rPr lang="en-US" sz="1600" b="1" dirty="0">
-                <a:latin typeface="Ink Free" panose="03080402000500000000" pitchFamily="66" charset="0"/>
+                <a:latin typeface="Bradley Hand" charset="0"/>
                 <a:ea typeface="Bradley Hand" charset="0"/>
                 <a:cs typeface="Bradley Hand" charset="0"/>
               </a:rPr>
@@ -4122,7 +4042,7 @@
           <a:p>
             <a:r>
               <a:rPr lang="en-US" sz="1600" b="1" dirty="0">
-                <a:latin typeface="Ink Free" panose="03080402000500000000" pitchFamily="66" charset="0"/>
+                <a:latin typeface="Bradley Hand" charset="0"/>
                 <a:ea typeface="Bradley Hand" charset="0"/>
                 <a:cs typeface="Bradley Hand" charset="0"/>
               </a:rPr>
@@ -4136,7 +4056,7 @@
           <p:cNvPr id="86" name="Rectangle: Rounded Corners 85">
             <a:extLst>
               <a:ext uri="{FF2B5EF4-FFF2-40B4-BE49-F238E27FC236}">
-                <a16:creationId xmlns:a16="http://schemas.microsoft.com/office/drawing/2014/main" id="{D0943646-EAEE-40B1-9FC5-0ED8510A5799}"/>
+                <a16:creationId xmlns:a16="http://schemas.microsoft.com/office/drawing/2014/main" xmlns="" id="{D0943646-EAEE-40B1-9FC5-0ED8510A5799}"/>
               </a:ext>
             </a:extLst>
           </p:cNvPr>
@@ -4192,7 +4112,7 @@
           <p:cNvPr id="88" name="Rectangle: Rounded Corners 87">
             <a:extLst>
               <a:ext uri="{FF2B5EF4-FFF2-40B4-BE49-F238E27FC236}">
-                <a16:creationId xmlns:a16="http://schemas.microsoft.com/office/drawing/2014/main" id="{03102BC5-3231-40BD-AF3F-E042D4C35AA0}"/>
+                <a16:creationId xmlns:a16="http://schemas.microsoft.com/office/drawing/2014/main" xmlns="" id="{03102BC5-3231-40BD-AF3F-E042D4C35AA0}"/>
               </a:ext>
             </a:extLst>
           </p:cNvPr>
@@ -4246,7 +4166,7 @@
           <p:cNvPr id="89" name="Straight Arrow Connector 88">
             <a:extLst>
               <a:ext uri="{FF2B5EF4-FFF2-40B4-BE49-F238E27FC236}">
-                <a16:creationId xmlns:a16="http://schemas.microsoft.com/office/drawing/2014/main" id="{82F4F613-91FC-4731-9ECC-6E5BCDD64878}"/>
+                <a16:creationId xmlns:a16="http://schemas.microsoft.com/office/drawing/2014/main" xmlns="" id="{82F4F613-91FC-4731-9ECC-6E5BCDD64878}"/>
               </a:ext>
             </a:extLst>
           </p:cNvPr>
@@ -4290,7 +4210,7 @@
           <p:cNvPr id="103" name="Oval 102">
             <a:extLst>
               <a:ext uri="{FF2B5EF4-FFF2-40B4-BE49-F238E27FC236}">
-                <a16:creationId xmlns:a16="http://schemas.microsoft.com/office/drawing/2014/main" id="{8321FC2E-C92C-4EE9-8E19-198F1F6880E6}"/>
+                <a16:creationId xmlns:a16="http://schemas.microsoft.com/office/drawing/2014/main" xmlns="" id="{8321FC2E-C92C-4EE9-8E19-198F1F6880E6}"/>
               </a:ext>
             </a:extLst>
           </p:cNvPr>
@@ -4344,7 +4264,7 @@
           <p:cNvPr id="112" name="Oval 111">
             <a:extLst>
               <a:ext uri="{FF2B5EF4-FFF2-40B4-BE49-F238E27FC236}">
-                <a16:creationId xmlns:a16="http://schemas.microsoft.com/office/drawing/2014/main" id="{3CA0C167-1E12-4746-AC9A-6E0DEFFB4108}"/>
+                <a16:creationId xmlns:a16="http://schemas.microsoft.com/office/drawing/2014/main" xmlns="" id="{3CA0C167-1E12-4746-AC9A-6E0DEFFB4108}"/>
               </a:ext>
             </a:extLst>
           </p:cNvPr>
@@ -4559,7 +4479,7 @@
             <p:cNvPr id="108" name="Oval 107">
               <a:extLst>
                 <a:ext uri="{FF2B5EF4-FFF2-40B4-BE49-F238E27FC236}">
-                  <a16:creationId xmlns:a16="http://schemas.microsoft.com/office/drawing/2014/main" id="{FCB7EBE7-71D0-4252-911A-C37824B82898}"/>
+                  <a16:creationId xmlns:a16="http://schemas.microsoft.com/office/drawing/2014/main" xmlns="" id="{FCB7EBE7-71D0-4252-911A-C37824B82898}"/>
                 </a:ext>
               </a:extLst>
             </p:cNvPr>
@@ -4613,7 +4533,7 @@
             <p:cNvPr id="109" name="Oval 108">
               <a:extLst>
                 <a:ext uri="{FF2B5EF4-FFF2-40B4-BE49-F238E27FC236}">
-                  <a16:creationId xmlns:a16="http://schemas.microsoft.com/office/drawing/2014/main" id="{8F69B8C9-9AC1-4A07-8A38-C03CE4C37FB7}"/>
+                  <a16:creationId xmlns:a16="http://schemas.microsoft.com/office/drawing/2014/main" xmlns="" id="{8F69B8C9-9AC1-4A07-8A38-C03CE4C37FB7}"/>
                 </a:ext>
               </a:extLst>
             </p:cNvPr>
@@ -4667,7 +4587,7 @@
             <p:cNvPr id="110" name="Oval 109">
               <a:extLst>
                 <a:ext uri="{FF2B5EF4-FFF2-40B4-BE49-F238E27FC236}">
-                  <a16:creationId xmlns:a16="http://schemas.microsoft.com/office/drawing/2014/main" id="{2A3D726D-570B-4DC9-9D07-972D0BC95103}"/>
+                  <a16:creationId xmlns:a16="http://schemas.microsoft.com/office/drawing/2014/main" xmlns="" id="{2A3D726D-570B-4DC9-9D07-972D0BC95103}"/>
                 </a:ext>
               </a:extLst>
             </p:cNvPr>
@@ -4721,7 +4641,7 @@
             <p:cNvPr id="111" name="Oval 110">
               <a:extLst>
                 <a:ext uri="{FF2B5EF4-FFF2-40B4-BE49-F238E27FC236}">
-                  <a16:creationId xmlns:a16="http://schemas.microsoft.com/office/drawing/2014/main" id="{70A84870-9F8B-4A17-8F4D-91B56E7B8E11}"/>
+                  <a16:creationId xmlns:a16="http://schemas.microsoft.com/office/drawing/2014/main" xmlns="" id="{70A84870-9F8B-4A17-8F4D-91B56E7B8E11}"/>
                 </a:ext>
               </a:extLst>
             </p:cNvPr>
@@ -4775,7 +4695,7 @@
             <p:cNvPr id="115" name="Oval 114">
               <a:extLst>
                 <a:ext uri="{FF2B5EF4-FFF2-40B4-BE49-F238E27FC236}">
-                  <a16:creationId xmlns:a16="http://schemas.microsoft.com/office/drawing/2014/main" id="{572127C1-6D61-4C2E-8059-598212BB99CF}"/>
+                  <a16:creationId xmlns:a16="http://schemas.microsoft.com/office/drawing/2014/main" xmlns="" id="{572127C1-6D61-4C2E-8059-598212BB99CF}"/>
                 </a:ext>
               </a:extLst>
             </p:cNvPr>
@@ -4830,7 +4750,7 @@
           <p:cNvPr id="104" name="Straight Connector 103">
             <a:extLst>
               <a:ext uri="{FF2B5EF4-FFF2-40B4-BE49-F238E27FC236}">
-                <a16:creationId xmlns:a16="http://schemas.microsoft.com/office/drawing/2014/main" id="{5F74147B-BED1-43A8-9B93-DD26CF0362C0}"/>
+                <a16:creationId xmlns:a16="http://schemas.microsoft.com/office/drawing/2014/main" xmlns="" id="{5F74147B-BED1-43A8-9B93-DD26CF0362C0}"/>
               </a:ext>
             </a:extLst>
           </p:cNvPr>
@@ -4874,7 +4794,7 @@
           <p:cNvPr id="106" name="Straight Connector 105">
             <a:extLst>
               <a:ext uri="{FF2B5EF4-FFF2-40B4-BE49-F238E27FC236}">
-                <a16:creationId xmlns:a16="http://schemas.microsoft.com/office/drawing/2014/main" id="{11A18E14-59E9-4553-BB3B-F3491D39C75F}"/>
+                <a16:creationId xmlns:a16="http://schemas.microsoft.com/office/drawing/2014/main" xmlns="" id="{11A18E14-59E9-4553-BB3B-F3491D39C75F}"/>
               </a:ext>
             </a:extLst>
           </p:cNvPr>
@@ -4935,7 +4855,7 @@
           </p:nvSpPr>
           <p:spPr>
             <a:xfrm>
-              <a:off x="5206226" y="3643454"/>
+              <a:off x="5216954" y="3483539"/>
               <a:ext cx="1072243" cy="369331"/>
             </a:xfrm>
             <a:prstGeom prst="rect">
@@ -5065,7 +4985,7 @@
           <p:cNvPr id="91" name="TextBox 90">
             <a:extLst>
               <a:ext uri="{FF2B5EF4-FFF2-40B4-BE49-F238E27FC236}">
-                <a16:creationId xmlns:a16="http://schemas.microsoft.com/office/drawing/2014/main" id="{FEC47976-6018-44C2-85CA-FE09627F731F}"/>
+                <a16:creationId xmlns:a16="http://schemas.microsoft.com/office/drawing/2014/main" xmlns="" id="{FEC47976-6018-44C2-85CA-FE09627F731F}"/>
               </a:ext>
             </a:extLst>
           </p:cNvPr>
@@ -5090,7 +5010,7 @@
           <a:p>
             <a:r>
               <a:rPr lang="en-US" sz="1600" b="1" dirty="0">
-                <a:latin typeface="Ink Free" panose="03080402000500000000" pitchFamily="66" charset="0"/>
+                <a:latin typeface="Bradley Hand" charset="0"/>
                 <a:ea typeface="Bradley Hand" charset="0"/>
                 <a:cs typeface="Bradley Hand" charset="0"/>
               </a:rPr>
@@ -5104,7 +5024,7 @@
           <p:cNvPr id="92" name="Speech Bubble: Rectangle 91">
             <a:extLst>
               <a:ext uri="{FF2B5EF4-FFF2-40B4-BE49-F238E27FC236}">
-                <a16:creationId xmlns:a16="http://schemas.microsoft.com/office/drawing/2014/main" id="{0EBE6E0A-FFFC-41DD-8175-54097C406DC3}"/>
+                <a16:creationId xmlns:a16="http://schemas.microsoft.com/office/drawing/2014/main" xmlns="" id="{0EBE6E0A-FFFC-41DD-8175-54097C406DC3}"/>
               </a:ext>
             </a:extLst>
           </p:cNvPr>
@@ -5156,7 +5076,7 @@
           <p:cNvPr id="99" name="Oval 98">
             <a:extLst>
               <a:ext uri="{FF2B5EF4-FFF2-40B4-BE49-F238E27FC236}">
-                <a16:creationId xmlns:a16="http://schemas.microsoft.com/office/drawing/2014/main" id="{77A01DE3-D264-4442-93A1-6D2568246996}"/>
+                <a16:creationId xmlns:a16="http://schemas.microsoft.com/office/drawing/2014/main" xmlns="" id="{77A01DE3-D264-4442-93A1-6D2568246996}"/>
               </a:ext>
             </a:extLst>
           </p:cNvPr>
@@ -5210,7 +5130,7 @@
           <p:cNvPr id="100" name="Oval 99">
             <a:extLst>
               <a:ext uri="{FF2B5EF4-FFF2-40B4-BE49-F238E27FC236}">
-                <a16:creationId xmlns:a16="http://schemas.microsoft.com/office/drawing/2014/main" id="{8C0DA4ED-39FD-4377-8220-4CF979EFB3DA}"/>
+                <a16:creationId xmlns:a16="http://schemas.microsoft.com/office/drawing/2014/main" xmlns="" id="{8C0DA4ED-39FD-4377-8220-4CF979EFB3DA}"/>
               </a:ext>
             </a:extLst>
           </p:cNvPr>
@@ -5264,7 +5184,7 @@
           <p:cNvPr id="101" name="Oval 100">
             <a:extLst>
               <a:ext uri="{FF2B5EF4-FFF2-40B4-BE49-F238E27FC236}">
-                <a16:creationId xmlns:a16="http://schemas.microsoft.com/office/drawing/2014/main" id="{0CA6F27A-B930-454D-82BD-58102846F6CD}"/>
+                <a16:creationId xmlns:a16="http://schemas.microsoft.com/office/drawing/2014/main" xmlns="" id="{0CA6F27A-B930-454D-82BD-58102846F6CD}"/>
               </a:ext>
             </a:extLst>
           </p:cNvPr>
@@ -5318,7 +5238,7 @@
           <p:cNvPr id="102" name="Oval 101">
             <a:extLst>
               <a:ext uri="{FF2B5EF4-FFF2-40B4-BE49-F238E27FC236}">
-                <a16:creationId xmlns:a16="http://schemas.microsoft.com/office/drawing/2014/main" id="{AED01084-D69F-4D3E-BC42-AA59AA2C3BE2}"/>
+                <a16:creationId xmlns:a16="http://schemas.microsoft.com/office/drawing/2014/main" xmlns="" id="{AED01084-D69F-4D3E-BC42-AA59AA2C3BE2}"/>
               </a:ext>
             </a:extLst>
           </p:cNvPr>
@@ -5372,7 +5292,7 @@
           <p:cNvPr id="116" name="Oval 115">
             <a:extLst>
               <a:ext uri="{FF2B5EF4-FFF2-40B4-BE49-F238E27FC236}">
-                <a16:creationId xmlns:a16="http://schemas.microsoft.com/office/drawing/2014/main" id="{810B726E-36D3-4B68-A09E-D5B39BC38494}"/>
+                <a16:creationId xmlns:a16="http://schemas.microsoft.com/office/drawing/2014/main" xmlns="" id="{810B726E-36D3-4B68-A09E-D5B39BC38494}"/>
               </a:ext>
             </a:extLst>
           </p:cNvPr>
@@ -5426,7 +5346,7 @@
           <p:cNvPr id="117" name="Straight Arrow Connector 116">
             <a:extLst>
               <a:ext uri="{FF2B5EF4-FFF2-40B4-BE49-F238E27FC236}">
-                <a16:creationId xmlns:a16="http://schemas.microsoft.com/office/drawing/2014/main" id="{38B89455-5A96-420F-8515-7C6054D245C7}"/>
+                <a16:creationId xmlns:a16="http://schemas.microsoft.com/office/drawing/2014/main" xmlns="" id="{38B89455-5A96-420F-8515-7C6054D245C7}"/>
               </a:ext>
             </a:extLst>
           </p:cNvPr>
@@ -5470,7 +5390,7 @@
           <p:cNvPr id="119" name="TextBox 118">
             <a:extLst>
               <a:ext uri="{FF2B5EF4-FFF2-40B4-BE49-F238E27FC236}">
-                <a16:creationId xmlns:a16="http://schemas.microsoft.com/office/drawing/2014/main" id="{8376F348-E111-414B-A05E-8684219AF14C}"/>
+                <a16:creationId xmlns:a16="http://schemas.microsoft.com/office/drawing/2014/main" xmlns="" id="{8376F348-E111-414B-A05E-8684219AF14C}"/>
               </a:ext>
             </a:extLst>
           </p:cNvPr>
@@ -5479,7 +5399,7 @@
         </p:nvSpPr>
         <p:spPr>
           <a:xfrm>
-            <a:off x="9955121" y="6340243"/>
+            <a:off x="9988702" y="6321888"/>
             <a:ext cx="2788387" cy="338554"/>
           </a:xfrm>
           <a:prstGeom prst="rect">
@@ -5495,7 +5415,7 @@
           <a:p>
             <a:r>
               <a:rPr lang="en-US" sz="1600" b="1" dirty="0">
-                <a:latin typeface="Ink Free" panose="03080402000500000000" pitchFamily="66" charset="0"/>
+                <a:latin typeface="Bradley Hand" charset="0"/>
                 <a:ea typeface="Bradley Hand" charset="0"/>
                 <a:cs typeface="Bradley Hand" charset="0"/>
               </a:rPr>
@@ -5512,8 +5432,8 @@
         </p:nvSpPr>
         <p:spPr>
           <a:xfrm>
-            <a:off x="1303000" y="548755"/>
-            <a:ext cx="7330259" cy="553998"/>
+            <a:off x="2692746" y="548755"/>
+            <a:ext cx="5940513" cy="553998"/>
           </a:xfrm>
           <a:prstGeom prst="rect">
             <a:avLst/>
@@ -5526,21 +5446,23 @@
           </a:bodyPr>
           <a:lstStyle/>
           <a:p>
+            <a:pPr algn="ctr"/>
             <a:r>
               <a:rPr lang="en-US" dirty="0">
-                <a:latin typeface="Berlin Sans FB" panose="020E0602020502020306" pitchFamily="34" charset="0"/>
-                <a:ea typeface="Chalkboard" charset="0"/>
-                <a:cs typeface="Chalkboard" charset="0"/>
+                <a:latin typeface="Comic Sans MS" charset="0"/>
+                <a:ea typeface="Comic Sans MS" charset="0"/>
+                <a:cs typeface="Comic Sans MS" charset="0"/>
               </a:rPr>
               <a:t>Directors Production Tracker</a:t>
             </a:r>
           </a:p>
           <a:p>
+            <a:pPr algn="ctr"/>
             <a:r>
               <a:rPr lang="en-US" sz="1200" dirty="0">
-                <a:latin typeface="Berlin Sans FB" panose="020E0602020502020306" pitchFamily="34" charset="0"/>
-                <a:ea typeface="Ayuthaya" charset="-34"/>
-                <a:cs typeface="Ayuthaya" charset="-34"/>
+                <a:latin typeface="Comic Sans MS" charset="0"/>
+                <a:ea typeface="Comic Sans MS" charset="0"/>
+                <a:cs typeface="Comic Sans MS" charset="0"/>
               </a:rPr>
               <a:t>Website Description</a:t>
             </a:r>
@@ -5609,8 +5531,8 @@
         </p:nvSpPr>
         <p:spPr>
           <a:xfrm>
-            <a:off x="9326226" y="1664868"/>
-            <a:ext cx="1084189" cy="369332"/>
+            <a:off x="9333360" y="1761039"/>
+            <a:ext cx="1084189" cy="338554"/>
           </a:xfrm>
           <a:prstGeom prst="rect">
             <a:avLst/>
@@ -5624,10 +5546,10 @@
           <a:lstStyle/>
           <a:p>
             <a:r>
-              <a:rPr lang="en-US" dirty="0">
-                <a:latin typeface="Berlin Sans FB" panose="020E0602020502020306" pitchFamily="34" charset="0"/>
-                <a:ea typeface="Chalkboard" charset="0"/>
-                <a:cs typeface="Chalkboard" charset="0"/>
+              <a:rPr lang="en-US" sz="1600" dirty="0">
+                <a:latin typeface="Comic Sans MS" charset="0"/>
+                <a:ea typeface="Comic Sans MS" charset="0"/>
+                <a:cs typeface="Comic Sans MS" charset="0"/>
               </a:rPr>
               <a:t>Director</a:t>
             </a:r>
@@ -5639,7 +5561,7 @@
           <p:cNvPr id="94" name="Oval 93">
             <a:extLst>
               <a:ext uri="{FF2B5EF4-FFF2-40B4-BE49-F238E27FC236}">
-                <a16:creationId xmlns:a16="http://schemas.microsoft.com/office/drawing/2014/main" id="{8C0DA4ED-39FD-4377-8220-4CF979EFB3DA}"/>
+                <a16:creationId xmlns:a16="http://schemas.microsoft.com/office/drawing/2014/main" xmlns="" id="{8C0DA4ED-39FD-4377-8220-4CF979EFB3DA}"/>
               </a:ext>
             </a:extLst>
           </p:cNvPr>
@@ -5693,7 +5615,7 @@
           <p:cNvPr id="95" name="Oval 94">
             <a:extLst>
               <a:ext uri="{FF2B5EF4-FFF2-40B4-BE49-F238E27FC236}">
-                <a16:creationId xmlns:a16="http://schemas.microsoft.com/office/drawing/2014/main" id="{8C0DA4ED-39FD-4377-8220-4CF979EFB3DA}"/>
+                <a16:creationId xmlns:a16="http://schemas.microsoft.com/office/drawing/2014/main" xmlns="" id="{8C0DA4ED-39FD-4377-8220-4CF979EFB3DA}"/>
               </a:ext>
             </a:extLst>
           </p:cNvPr>
@@ -5747,7 +5669,7 @@
           <p:cNvPr id="98" name="Oval 97">
             <a:extLst>
               <a:ext uri="{FF2B5EF4-FFF2-40B4-BE49-F238E27FC236}">
-                <a16:creationId xmlns:a16="http://schemas.microsoft.com/office/drawing/2014/main" id="{8C0DA4ED-39FD-4377-8220-4CF979EFB3DA}"/>
+                <a16:creationId xmlns:a16="http://schemas.microsoft.com/office/drawing/2014/main" xmlns="" id="{8C0DA4ED-39FD-4377-8220-4CF979EFB3DA}"/>
               </a:ext>
             </a:extLst>
           </p:cNvPr>
@@ -5801,7 +5723,7 @@
           <p:cNvPr id="105" name="Straight Arrow Connector 104">
             <a:extLst>
               <a:ext uri="{FF2B5EF4-FFF2-40B4-BE49-F238E27FC236}">
-                <a16:creationId xmlns:a16="http://schemas.microsoft.com/office/drawing/2014/main" id="{C821B187-5F90-40F9-8DE6-E44B02A4C3BF}"/>
+                <a16:creationId xmlns:a16="http://schemas.microsoft.com/office/drawing/2014/main" xmlns="" id="{C821B187-5F90-40F9-8DE6-E44B02A4C3BF}"/>
               </a:ext>
             </a:extLst>
           </p:cNvPr>
@@ -5845,7 +5767,7 @@
           <p:cNvPr id="107" name="TextBox 106">
             <a:extLst>
               <a:ext uri="{FF2B5EF4-FFF2-40B4-BE49-F238E27FC236}">
-                <a16:creationId xmlns:a16="http://schemas.microsoft.com/office/drawing/2014/main" id="{6BFE790D-F0D2-438C-8FE7-0CDDEB47B4F8}"/>
+                <a16:creationId xmlns:a16="http://schemas.microsoft.com/office/drawing/2014/main" xmlns="" id="{6BFE790D-F0D2-438C-8FE7-0CDDEB47B4F8}"/>
               </a:ext>
             </a:extLst>
           </p:cNvPr>
@@ -5870,7 +5792,7 @@
           <a:p>
             <a:r>
               <a:rPr lang="en-US" sz="1600" b="1" dirty="0">
-                <a:latin typeface="Ink Free" panose="03080402000500000000" pitchFamily="66" charset="0"/>
+                <a:latin typeface="Bradley Hand" charset="0"/>
                 <a:ea typeface="Bradley Hand" charset="0"/>
                 <a:cs typeface="Bradley Hand" charset="0"/>
               </a:rPr>
@@ -5885,162 +5807,231 @@
           </a:p>
         </p:txBody>
       </p:sp>
-      <p:sp>
-        <p:nvSpPr>
-          <p:cNvPr id="46" name="Rectangle 45"/>
-          <p:cNvSpPr/>
+      <p:grpSp>
+        <p:nvGrpSpPr>
+          <p:cNvPr id="4" name="Group 3"/>
+          <p:cNvGrpSpPr/>
           <p:nvPr/>
-        </p:nvSpPr>
-        <p:spPr>
+        </p:nvGrpSpPr>
+        <p:grpSpPr>
           <a:xfrm>
-            <a:off x="2180318" y="1346430"/>
-            <a:ext cx="813046" cy="246864"/>
-          </a:xfrm>
-          <a:prstGeom prst="rect">
-            <a:avLst/>
-          </a:prstGeom>
-        </p:spPr>
-        <p:style>
-          <a:lnRef idx="2">
-            <a:schemeClr val="accent6"/>
-          </a:lnRef>
-          <a:fillRef idx="1">
-            <a:schemeClr val="lt1"/>
-          </a:fillRef>
-          <a:effectRef idx="0">
-            <a:schemeClr val="accent6"/>
-          </a:effectRef>
-          <a:fontRef idx="minor">
-            <a:schemeClr val="dk1"/>
-          </a:fontRef>
-        </p:style>
-        <p:txBody>
-          <a:bodyPr rtlCol="0" anchor="ctr"/>
-          <a:lstStyle/>
-          <a:p>
-            <a:pPr algn="ctr"/>
-            <a:endParaRPr lang="en-US"/>
-          </a:p>
-        </p:txBody>
-      </p:sp>
-      <p:sp>
-        <p:nvSpPr>
-          <p:cNvPr id="47" name="Triangle 46"/>
-          <p:cNvSpPr/>
+            <a:off x="1417872" y="1581730"/>
+            <a:ext cx="1591620" cy="338554"/>
+            <a:chOff x="1417872" y="1581730"/>
+            <a:chExt cx="1591620" cy="338554"/>
+          </a:xfrm>
+        </p:grpSpPr>
+        <p:sp>
+          <p:nvSpPr>
+            <p:cNvPr id="77" name="TextBox 76">
+              <a:extLst>
+                <a:ext uri="{FF2B5EF4-FFF2-40B4-BE49-F238E27FC236}">
+                  <a16:creationId xmlns:a16="http://schemas.microsoft.com/office/drawing/2014/main" xmlns="" id="{CE8C0DCD-7D27-4BEA-871C-E5863C238267}"/>
+                </a:ext>
+              </a:extLst>
+            </p:cNvPr>
+            <p:cNvSpPr txBox="1"/>
+            <p:nvPr/>
+          </p:nvSpPr>
+          <p:spPr>
+            <a:xfrm>
+              <a:off x="1417872" y="1581730"/>
+              <a:ext cx="1409212" cy="338554"/>
+            </a:xfrm>
+            <a:prstGeom prst="rect">
+              <a:avLst/>
+            </a:prstGeom>
+            <a:noFill/>
+          </p:spPr>
+          <p:txBody>
+            <a:bodyPr wrap="square" rtlCol="0">
+              <a:spAutoFit/>
+            </a:bodyPr>
+            <a:lstStyle/>
+            <a:p>
+              <a:r>
+                <a:rPr lang="en-US" sz="1600" dirty="0">
+                  <a:latin typeface="Comic Sans MS" charset="0"/>
+                  <a:ea typeface="Comic Sans MS" charset="0"/>
+                  <a:cs typeface="Comic Sans MS" charset="0"/>
+                </a:rPr>
+                <a:t>Genres</a:t>
+              </a:r>
+            </a:p>
+          </p:txBody>
+        </p:sp>
+        <p:sp>
+          <p:nvSpPr>
+            <p:cNvPr id="46" name="Rectangle 45"/>
+            <p:cNvSpPr/>
+            <p:nvPr/>
+          </p:nvSpPr>
+          <p:spPr>
+            <a:xfrm>
+              <a:off x="2196446" y="1623514"/>
+              <a:ext cx="813046" cy="246864"/>
+            </a:xfrm>
+            <a:prstGeom prst="rect">
+              <a:avLst/>
+            </a:prstGeom>
+          </p:spPr>
+          <p:style>
+            <a:lnRef idx="2">
+              <a:schemeClr val="accent6"/>
+            </a:lnRef>
+            <a:fillRef idx="1">
+              <a:schemeClr val="lt1"/>
+            </a:fillRef>
+            <a:effectRef idx="0">
+              <a:schemeClr val="accent6"/>
+            </a:effectRef>
+            <a:fontRef idx="minor">
+              <a:schemeClr val="dk1"/>
+            </a:fontRef>
+          </p:style>
+          <p:txBody>
+            <a:bodyPr rtlCol="0" anchor="ctr"/>
+            <a:lstStyle/>
+            <a:p>
+              <a:pPr algn="ctr"/>
+              <a:endParaRPr lang="en-US"/>
+            </a:p>
+          </p:txBody>
+        </p:sp>
+        <p:sp>
+          <p:nvSpPr>
+            <p:cNvPr id="47" name="Triangle 46"/>
+            <p:cNvSpPr/>
+            <p:nvPr/>
+          </p:nvSpPr>
+          <p:spPr>
+            <a:xfrm flipH="1" flipV="1">
+              <a:off x="2774932" y="1719447"/>
+              <a:ext cx="164470" cy="92923"/>
+            </a:xfrm>
+            <a:prstGeom prst="triangle">
+              <a:avLst/>
+            </a:prstGeom>
+          </p:spPr>
+          <p:style>
+            <a:lnRef idx="2">
+              <a:schemeClr val="dk1">
+                <a:shade val="50000"/>
+              </a:schemeClr>
+            </a:lnRef>
+            <a:fillRef idx="1">
+              <a:schemeClr val="dk1"/>
+            </a:fillRef>
+            <a:effectRef idx="0">
+              <a:schemeClr val="dk1"/>
+            </a:effectRef>
+            <a:fontRef idx="minor">
+              <a:schemeClr val="lt1"/>
+            </a:fontRef>
+          </p:style>
+          <p:txBody>
+            <a:bodyPr rtlCol="0" anchor="ctr"/>
+            <a:lstStyle/>
+            <a:p>
+              <a:pPr algn="ctr"/>
+              <a:endParaRPr lang="en-US"/>
+            </a:p>
+          </p:txBody>
+        </p:sp>
+      </p:grpSp>
+      <p:grpSp>
+        <p:nvGrpSpPr>
+          <p:cNvPr id="3" name="Group 2"/>
+          <p:cNvGrpSpPr/>
           <p:nvPr/>
-        </p:nvSpPr>
-        <p:spPr>
-          <a:xfrm flipH="1" flipV="1">
-            <a:off x="2777423" y="1409196"/>
-            <a:ext cx="194638" cy="137283"/>
-          </a:xfrm>
-          <a:prstGeom prst="triangle">
-            <a:avLst/>
-          </a:prstGeom>
-        </p:spPr>
-        <p:style>
-          <a:lnRef idx="2">
-            <a:schemeClr val="dk1">
-              <a:shade val="50000"/>
-            </a:schemeClr>
-          </a:lnRef>
-          <a:fillRef idx="1">
-            <a:schemeClr val="dk1"/>
-          </a:fillRef>
-          <a:effectRef idx="0">
-            <a:schemeClr val="dk1"/>
-          </a:effectRef>
-          <a:fontRef idx="minor">
-            <a:schemeClr val="lt1"/>
-          </a:fontRef>
-        </p:style>
-        <p:txBody>
-          <a:bodyPr rtlCol="0" anchor="ctr"/>
-          <a:lstStyle/>
-          <a:p>
-            <a:pPr algn="ctr"/>
-            <a:endParaRPr lang="en-US"/>
-          </a:p>
-        </p:txBody>
-      </p:sp>
-      <p:sp>
-        <p:nvSpPr>
-          <p:cNvPr id="48" name="Rectangle 47"/>
-          <p:cNvSpPr/>
-          <p:nvPr/>
-        </p:nvSpPr>
-        <p:spPr>
+        </p:nvGrpSpPr>
+        <p:grpSpPr>
           <a:xfrm>
-            <a:off x="6291028" y="1310376"/>
-            <a:ext cx="3122744" cy="246864"/>
-          </a:xfrm>
-          <a:prstGeom prst="rect">
-            <a:avLst/>
-          </a:prstGeom>
-        </p:spPr>
-        <p:style>
-          <a:lnRef idx="2">
-            <a:schemeClr val="accent6"/>
-          </a:lnRef>
-          <a:fillRef idx="1">
-            <a:schemeClr val="lt1"/>
-          </a:fillRef>
-          <a:effectRef idx="0">
-            <a:schemeClr val="accent6"/>
-          </a:effectRef>
-          <a:fontRef idx="minor">
-            <a:schemeClr val="dk1"/>
-          </a:fontRef>
-        </p:style>
-        <p:txBody>
-          <a:bodyPr rtlCol="0" anchor="ctr"/>
-          <a:lstStyle/>
-          <a:p>
-            <a:pPr algn="ctr"/>
-            <a:endParaRPr lang="en-US"/>
-          </a:p>
-        </p:txBody>
-      </p:sp>
-      <p:sp>
-        <p:nvSpPr>
-          <p:cNvPr id="49" name="TextBox 48"/>
-          <p:cNvSpPr txBox="1"/>
-          <p:nvPr/>
-        </p:nvSpPr>
-        <p:spPr>
-          <a:xfrm>
-            <a:off x="6208436" y="1267136"/>
-            <a:ext cx="3081449" cy="307777"/>
-          </a:xfrm>
-          <a:prstGeom prst="rect">
-            <a:avLst/>
-          </a:prstGeom>
-          <a:noFill/>
-        </p:spPr>
-        <p:txBody>
-          <a:bodyPr wrap="square" rtlCol="0">
-            <a:spAutoFit/>
-          </a:bodyPr>
-          <a:lstStyle/>
-          <a:p>
-            <a:pPr algn="ctr"/>
-            <a:r>
-              <a:rPr lang="en-US" sz="1400" dirty="0">
-                <a:latin typeface="Berlin Sans FB" panose="020E0602020502020306" pitchFamily="34" charset="0"/>
-                <a:ea typeface="Abadi MT Condensed Light" charset="0"/>
-                <a:cs typeface="Abadi MT Condensed Light" charset="0"/>
-              </a:rPr>
-              <a:t>Functionality Introduction</a:t>
-            </a:r>
-          </a:p>
-        </p:txBody>
-      </p:sp>
+            <a:off x="1397677" y="1219202"/>
+            <a:ext cx="3153951" cy="292388"/>
+            <a:chOff x="1450919" y="1267736"/>
+            <a:chExt cx="3153951" cy="292388"/>
+          </a:xfrm>
+        </p:grpSpPr>
+        <p:sp>
+          <p:nvSpPr>
+            <p:cNvPr id="48" name="Rectangle 47"/>
+            <p:cNvSpPr/>
+            <p:nvPr/>
+          </p:nvSpPr>
+          <p:spPr>
+            <a:xfrm>
+              <a:off x="1511507" y="1296178"/>
+              <a:ext cx="3093363" cy="256554"/>
+            </a:xfrm>
+            <a:prstGeom prst="rect">
+              <a:avLst/>
+            </a:prstGeom>
+          </p:spPr>
+          <p:style>
+            <a:lnRef idx="2">
+              <a:schemeClr val="accent6"/>
+            </a:lnRef>
+            <a:fillRef idx="1">
+              <a:schemeClr val="lt1"/>
+            </a:fillRef>
+            <a:effectRef idx="0">
+              <a:schemeClr val="accent6"/>
+            </a:effectRef>
+            <a:fontRef idx="minor">
+              <a:schemeClr val="dk1"/>
+            </a:fontRef>
+          </p:style>
+          <p:txBody>
+            <a:bodyPr rtlCol="0" anchor="ctr"/>
+            <a:lstStyle/>
+            <a:p>
+              <a:pPr algn="ctr"/>
+              <a:endParaRPr lang="en-US"/>
+            </a:p>
+          </p:txBody>
+        </p:sp>
+        <p:sp>
+          <p:nvSpPr>
+            <p:cNvPr id="49" name="TextBox 48"/>
+            <p:cNvSpPr txBox="1"/>
+            <p:nvPr/>
+          </p:nvSpPr>
+          <p:spPr>
+            <a:xfrm>
+              <a:off x="1450919" y="1267736"/>
+              <a:ext cx="2916563" cy="292388"/>
+            </a:xfrm>
+            <a:prstGeom prst="rect">
+              <a:avLst/>
+            </a:prstGeom>
+            <a:noFill/>
+          </p:spPr>
+          <p:txBody>
+            <a:bodyPr wrap="square" rtlCol="0">
+              <a:spAutoFit/>
+            </a:bodyPr>
+            <a:lstStyle/>
+            <a:p>
+              <a:pPr algn="ctr"/>
+              <a:r>
+                <a:rPr lang="en-US" sz="1300" dirty="0">
+                  <a:latin typeface="Comic Sans MS" charset="0"/>
+                  <a:ea typeface="Comic Sans MS" charset="0"/>
+                  <a:cs typeface="Comic Sans MS" charset="0"/>
+                </a:rPr>
+                <a:t>Functionality Introduction</a:t>
+              </a:r>
+            </a:p>
+          </p:txBody>
+        </p:sp>
+      </p:grpSp>
       <p:cxnSp>
         <p:nvCxnSpPr>
           <p:cNvPr id="6" name="Straight Connector 5">
             <a:extLst>
               <a:ext uri="{FF2B5EF4-FFF2-40B4-BE49-F238E27FC236}">
-                <a16:creationId xmlns:a16="http://schemas.microsoft.com/office/drawing/2014/main" id="{D6B3B537-820D-445D-AC32-FFBDFF030B9F}"/>
+                <a16:creationId xmlns:a16="http://schemas.microsoft.com/office/drawing/2014/main" xmlns="" id="{D6B3B537-820D-445D-AC32-FFBDFF030B9F}"/>
               </a:ext>
             </a:extLst>
           </p:cNvPr>
@@ -6083,7 +6074,7 @@
           <p:cNvPr id="71" name="Straight Connector 70">
             <a:extLst>
               <a:ext uri="{FF2B5EF4-FFF2-40B4-BE49-F238E27FC236}">
-                <a16:creationId xmlns:a16="http://schemas.microsoft.com/office/drawing/2014/main" id="{7875518A-F23D-4050-A3BD-6ABA2D36302D}"/>
+                <a16:creationId xmlns:a16="http://schemas.microsoft.com/office/drawing/2014/main" xmlns="" id="{7875518A-F23D-4050-A3BD-6ABA2D36302D}"/>
               </a:ext>
             </a:extLst>
           </p:cNvPr>
@@ -6127,7 +6118,7 @@
           <p:cNvPr id="73" name="Straight Connector 72">
             <a:extLst>
               <a:ext uri="{FF2B5EF4-FFF2-40B4-BE49-F238E27FC236}">
-                <a16:creationId xmlns:a16="http://schemas.microsoft.com/office/drawing/2014/main" id="{D3A00E40-D19B-423D-9288-E2DB3E0555B2}"/>
+                <a16:creationId xmlns:a16="http://schemas.microsoft.com/office/drawing/2014/main" xmlns="" id="{D3A00E40-D19B-423D-9288-E2DB3E0555B2}"/>
               </a:ext>
             </a:extLst>
           </p:cNvPr>
@@ -6172,7 +6163,7 @@
           <p:cNvPr id="78" name="Straight Connector 77">
             <a:extLst>
               <a:ext uri="{FF2B5EF4-FFF2-40B4-BE49-F238E27FC236}">
-                <a16:creationId xmlns:a16="http://schemas.microsoft.com/office/drawing/2014/main" id="{845024F9-6CF7-4D72-84FC-D3D6B50C5BA2}"/>
+                <a16:creationId xmlns:a16="http://schemas.microsoft.com/office/drawing/2014/main" xmlns="" id="{845024F9-6CF7-4D72-84FC-D3D6B50C5BA2}"/>
               </a:ext>
             </a:extLst>
           </p:cNvPr>
@@ -6217,7 +6208,7 @@
           <p:cNvPr id="79" name="Straight Connector 78">
             <a:extLst>
               <a:ext uri="{FF2B5EF4-FFF2-40B4-BE49-F238E27FC236}">
-                <a16:creationId xmlns:a16="http://schemas.microsoft.com/office/drawing/2014/main" id="{9C1D0274-118C-41B2-80DB-3F8873A67E11}"/>
+                <a16:creationId xmlns:a16="http://schemas.microsoft.com/office/drawing/2014/main" xmlns="" id="{9C1D0274-118C-41B2-80DB-3F8873A67E11}"/>
               </a:ext>
             </a:extLst>
           </p:cNvPr>
@@ -6262,7 +6253,7 @@
           <p:cNvPr id="83" name="Straight Connector 82">
             <a:extLst>
               <a:ext uri="{FF2B5EF4-FFF2-40B4-BE49-F238E27FC236}">
-                <a16:creationId xmlns:a16="http://schemas.microsoft.com/office/drawing/2014/main" id="{395AF3F6-2B97-4664-8FA3-9FFF8C612DC8}"/>
+                <a16:creationId xmlns:a16="http://schemas.microsoft.com/office/drawing/2014/main" xmlns="" id="{395AF3F6-2B97-4664-8FA3-9FFF8C612DC8}"/>
               </a:ext>
             </a:extLst>
           </p:cNvPr>
@@ -6305,7 +6296,7 @@
           <p:cNvPr id="85" name="Straight Connector 84">
             <a:extLst>
               <a:ext uri="{FF2B5EF4-FFF2-40B4-BE49-F238E27FC236}">
-                <a16:creationId xmlns:a16="http://schemas.microsoft.com/office/drawing/2014/main" id="{06D73ED1-46D8-437E-B6C6-DCB4578020D7}"/>
+                <a16:creationId xmlns:a16="http://schemas.microsoft.com/office/drawing/2014/main" xmlns="" id="{06D73ED1-46D8-437E-B6C6-DCB4578020D7}"/>
               </a:ext>
             </a:extLst>
           </p:cNvPr>
@@ -6348,7 +6339,7 @@
           <p:cNvPr id="90" name="Straight Connector 89">
             <a:extLst>
               <a:ext uri="{FF2B5EF4-FFF2-40B4-BE49-F238E27FC236}">
-                <a16:creationId xmlns:a16="http://schemas.microsoft.com/office/drawing/2014/main" id="{7BFD4680-5D31-4B7C-91A6-30D4D1354AD9}"/>
+                <a16:creationId xmlns:a16="http://schemas.microsoft.com/office/drawing/2014/main" xmlns="" id="{7BFD4680-5D31-4B7C-91A6-30D4D1354AD9}"/>
               </a:ext>
             </a:extLst>
           </p:cNvPr>
@@ -6393,7 +6384,7 @@
           <p:cNvPr id="93" name="Straight Connector 92">
             <a:extLst>
               <a:ext uri="{FF2B5EF4-FFF2-40B4-BE49-F238E27FC236}">
-                <a16:creationId xmlns:a16="http://schemas.microsoft.com/office/drawing/2014/main" id="{68461619-90BD-4652-8949-5A2B27FE4AA2}"/>
+                <a16:creationId xmlns:a16="http://schemas.microsoft.com/office/drawing/2014/main" xmlns="" id="{68461619-90BD-4652-8949-5A2B27FE4AA2}"/>
               </a:ext>
             </a:extLst>
           </p:cNvPr>
@@ -6438,7 +6429,7 @@
           <p:cNvPr id="96" name="Straight Connector 95">
             <a:extLst>
               <a:ext uri="{FF2B5EF4-FFF2-40B4-BE49-F238E27FC236}">
-                <a16:creationId xmlns:a16="http://schemas.microsoft.com/office/drawing/2014/main" id="{74EF2A55-9D53-4FCB-8BDD-CC9E1BBAC1A5}"/>
+                <a16:creationId xmlns:a16="http://schemas.microsoft.com/office/drawing/2014/main" xmlns="" id="{74EF2A55-9D53-4FCB-8BDD-CC9E1BBAC1A5}"/>
               </a:ext>
             </a:extLst>
           </p:cNvPr>
@@ -6478,226 +6469,143 @@
           </a:fontRef>
         </p:style>
       </p:cxnSp>
-      <p:sp>
-        <p:nvSpPr>
-          <p:cNvPr id="81" name="TextBox 80">
-            <a:extLst>
-              <a:ext uri="{FF2B5EF4-FFF2-40B4-BE49-F238E27FC236}">
-                <a16:creationId xmlns:a16="http://schemas.microsoft.com/office/drawing/2014/main" id="{EB8D4A63-443B-40A5-A18B-2D69FD707693}"/>
-              </a:ext>
-            </a:extLst>
-          </p:cNvPr>
-          <p:cNvSpPr txBox="1"/>
+      <p:grpSp>
+        <p:nvGrpSpPr>
+          <p:cNvPr id="81" name="Group 80"/>
+          <p:cNvGrpSpPr/>
           <p:nvPr/>
-        </p:nvSpPr>
-        <p:spPr>
+        </p:nvGrpSpPr>
+        <p:grpSpPr>
           <a:xfrm>
-            <a:off x="3589530" y="1226713"/>
-            <a:ext cx="1590440" cy="369332"/>
-          </a:xfrm>
-          <a:prstGeom prst="rect">
-            <a:avLst/>
-          </a:prstGeom>
-          <a:noFill/>
-        </p:spPr>
-        <p:txBody>
-          <a:bodyPr wrap="square" rtlCol="0">
-            <a:spAutoFit/>
-          </a:bodyPr>
-          <a:lstStyle/>
-          <a:p>
-            <a:r>
-              <a:rPr lang="en-US" dirty="0">
-                <a:latin typeface="Berlin Sans FB" panose="020E0602020502020306" pitchFamily="34" charset="0"/>
-                <a:ea typeface="Chalkboard" charset="0"/>
-                <a:cs typeface="Chalkboard" charset="0"/>
-              </a:rPr>
-              <a:t>Directors</a:t>
-            </a:r>
-          </a:p>
-        </p:txBody>
-      </p:sp>
-      <p:sp>
-        <p:nvSpPr>
-          <p:cNvPr id="82" name="TextBox 81">
-            <a:extLst>
-              <a:ext uri="{FF2B5EF4-FFF2-40B4-BE49-F238E27FC236}">
-                <a16:creationId xmlns:a16="http://schemas.microsoft.com/office/drawing/2014/main" id="{66CFCC52-A62B-45F3-9396-E9715CA88799}"/>
-              </a:ext>
-            </a:extLst>
-          </p:cNvPr>
-          <p:cNvSpPr txBox="1"/>
-          <p:nvPr/>
-        </p:nvSpPr>
-        <p:spPr>
-          <a:xfrm>
-            <a:off x="5332860" y="606673"/>
-            <a:ext cx="1291810" cy="584775"/>
-          </a:xfrm>
-          <a:prstGeom prst="rect">
-            <a:avLst/>
-          </a:prstGeom>
-          <a:noFill/>
-        </p:spPr>
-        <p:txBody>
-          <a:bodyPr wrap="square" rtlCol="0">
-            <a:spAutoFit/>
-          </a:bodyPr>
-          <a:lstStyle/>
-          <a:p>
-            <a:r>
-              <a:rPr lang="en-US" sz="1600" b="1" dirty="0">
-                <a:latin typeface="Ink Free" panose="03080402000500000000" pitchFamily="66" charset="0"/>
-                <a:ea typeface="Bradley Hand" charset="0"/>
-                <a:cs typeface="Bradley Hand" charset="0"/>
-              </a:rPr>
-              <a:t>Dropdown </a:t>
-            </a:r>
-          </a:p>
-          <a:p>
-            <a:r>
-              <a:rPr lang="en-US" sz="1600" b="1" dirty="0">
-                <a:latin typeface="Ink Free" panose="03080402000500000000" pitchFamily="66" charset="0"/>
-                <a:ea typeface="Bradley Hand" charset="0"/>
-                <a:cs typeface="Bradley Hand" charset="0"/>
-              </a:rPr>
-              <a:t>Menu </a:t>
-            </a:r>
-          </a:p>
-        </p:txBody>
-      </p:sp>
-      <p:sp>
-        <p:nvSpPr>
-          <p:cNvPr id="84" name="Rectangle 83">
-            <a:extLst>
-              <a:ext uri="{FF2B5EF4-FFF2-40B4-BE49-F238E27FC236}">
-                <a16:creationId xmlns:a16="http://schemas.microsoft.com/office/drawing/2014/main" id="{BD328FEE-C2FF-4CA6-87E4-062375EAEEA0}"/>
-              </a:ext>
-            </a:extLst>
-          </p:cNvPr>
-          <p:cNvSpPr/>
-          <p:nvPr/>
-        </p:nvSpPr>
-        <p:spPr>
-          <a:xfrm>
-            <a:off x="4637862" y="1302158"/>
-            <a:ext cx="813046" cy="246864"/>
-          </a:xfrm>
-          <a:prstGeom prst="rect">
-            <a:avLst/>
-          </a:prstGeom>
-        </p:spPr>
-        <p:style>
-          <a:lnRef idx="2">
-            <a:schemeClr val="accent6"/>
-          </a:lnRef>
-          <a:fillRef idx="1">
-            <a:schemeClr val="lt1"/>
-          </a:fillRef>
-          <a:effectRef idx="0">
-            <a:schemeClr val="accent6"/>
-          </a:effectRef>
-          <a:fontRef idx="minor">
-            <a:schemeClr val="dk1"/>
-          </a:fontRef>
-        </p:style>
-        <p:txBody>
-          <a:bodyPr rtlCol="0" anchor="ctr"/>
-          <a:lstStyle/>
-          <a:p>
-            <a:pPr algn="ctr"/>
-            <a:endParaRPr lang="en-US"/>
-          </a:p>
-        </p:txBody>
-      </p:sp>
-      <p:cxnSp>
-        <p:nvCxnSpPr>
-          <p:cNvPr id="3" name="Straight Arrow Connector 2">
-            <a:extLst>
-              <a:ext uri="{FF2B5EF4-FFF2-40B4-BE49-F238E27FC236}">
-                <a16:creationId xmlns:a16="http://schemas.microsoft.com/office/drawing/2014/main" id="{607AEF11-1271-46AE-AE19-E462D4FF5367}"/>
-              </a:ext>
-            </a:extLst>
-          </p:cNvPr>
-          <p:cNvCxnSpPr/>
-          <p:nvPr/>
-        </p:nvCxnSpPr>
-        <p:spPr>
-          <a:xfrm flipH="1">
-            <a:off x="5208973" y="1128693"/>
-            <a:ext cx="210836" cy="126791"/>
-          </a:xfrm>
-          <a:prstGeom prst="straightConnector1">
-            <a:avLst/>
-          </a:prstGeom>
-          <a:ln>
-            <a:solidFill>
-              <a:schemeClr val="tx1"/>
-            </a:solidFill>
-            <a:tailEnd type="triangle"/>
-          </a:ln>
-        </p:spPr>
-        <p:style>
-          <a:lnRef idx="1">
-            <a:schemeClr val="accent1"/>
-          </a:lnRef>
-          <a:fillRef idx="0">
-            <a:schemeClr val="accent1"/>
-          </a:fillRef>
-          <a:effectRef idx="0">
-            <a:schemeClr val="accent1"/>
-          </a:effectRef>
-          <a:fontRef idx="minor">
-            <a:schemeClr val="tx1"/>
-          </a:fontRef>
-        </p:style>
-      </p:cxnSp>
-      <p:sp>
-        <p:nvSpPr>
-          <p:cNvPr id="87" name="Triangle 46">
-            <a:extLst>
-              <a:ext uri="{FF2B5EF4-FFF2-40B4-BE49-F238E27FC236}">
-                <a16:creationId xmlns:a16="http://schemas.microsoft.com/office/drawing/2014/main" id="{79E296AB-C66C-46E8-982A-64BD93088FA6}"/>
-              </a:ext>
-            </a:extLst>
-          </p:cNvPr>
-          <p:cNvSpPr/>
-          <p:nvPr/>
-        </p:nvSpPr>
-        <p:spPr>
-          <a:xfrm flipH="1" flipV="1">
-            <a:off x="5210357" y="1352382"/>
-            <a:ext cx="194638" cy="137283"/>
-          </a:xfrm>
-          <a:prstGeom prst="triangle">
-            <a:avLst/>
-          </a:prstGeom>
-        </p:spPr>
-        <p:style>
-          <a:lnRef idx="2">
-            <a:schemeClr val="dk1">
-              <a:shade val="50000"/>
-            </a:schemeClr>
-          </a:lnRef>
-          <a:fillRef idx="1">
-            <a:schemeClr val="dk1"/>
-          </a:fillRef>
-          <a:effectRef idx="0">
-            <a:schemeClr val="dk1"/>
-          </a:effectRef>
-          <a:fontRef idx="minor">
-            <a:schemeClr val="lt1"/>
-          </a:fontRef>
-        </p:style>
-        <p:txBody>
-          <a:bodyPr rtlCol="0" anchor="ctr"/>
-          <a:lstStyle/>
-          <a:p>
-            <a:pPr algn="ctr"/>
-            <a:endParaRPr lang="en-US"/>
-          </a:p>
-        </p:txBody>
-      </p:sp>
+            <a:off x="4822438" y="1522047"/>
+            <a:ext cx="1738802" cy="338554"/>
+            <a:chOff x="1417872" y="1581730"/>
+            <a:chExt cx="1738802" cy="338554"/>
+          </a:xfrm>
+        </p:grpSpPr>
+        <p:sp>
+          <p:nvSpPr>
+            <p:cNvPr id="82" name="TextBox 81">
+              <a:extLst>
+                <a:ext uri="{FF2B5EF4-FFF2-40B4-BE49-F238E27FC236}">
+                  <a16:creationId xmlns:a16="http://schemas.microsoft.com/office/drawing/2014/main" xmlns="" id="{CE8C0DCD-7D27-4BEA-871C-E5863C238267}"/>
+                </a:ext>
+              </a:extLst>
+            </p:cNvPr>
+            <p:cNvSpPr txBox="1"/>
+            <p:nvPr/>
+          </p:nvSpPr>
+          <p:spPr>
+            <a:xfrm>
+              <a:off x="1417872" y="1581730"/>
+              <a:ext cx="1409212" cy="338554"/>
+            </a:xfrm>
+            <a:prstGeom prst="rect">
+              <a:avLst/>
+            </a:prstGeom>
+            <a:noFill/>
+          </p:spPr>
+          <p:txBody>
+            <a:bodyPr wrap="square" rtlCol="0">
+              <a:spAutoFit/>
+            </a:bodyPr>
+            <a:lstStyle/>
+            <a:p>
+              <a:r>
+                <a:rPr lang="en-US" sz="1600" dirty="0" smtClean="0">
+                  <a:latin typeface="Comic Sans MS" charset="0"/>
+                  <a:ea typeface="Comic Sans MS" charset="0"/>
+                  <a:cs typeface="Comic Sans MS" charset="0"/>
+                </a:rPr>
+                <a:t>Director</a:t>
+              </a:r>
+              <a:endParaRPr lang="en-US" sz="1600" dirty="0">
+                <a:latin typeface="Comic Sans MS" charset="0"/>
+                <a:ea typeface="Comic Sans MS" charset="0"/>
+                <a:cs typeface="Comic Sans MS" charset="0"/>
+              </a:endParaRPr>
+            </a:p>
+          </p:txBody>
+        </p:sp>
+        <p:sp>
+          <p:nvSpPr>
+            <p:cNvPr id="84" name="Rectangle 83"/>
+            <p:cNvSpPr/>
+            <p:nvPr/>
+          </p:nvSpPr>
+          <p:spPr>
+            <a:xfrm>
+              <a:off x="2343628" y="1621760"/>
+              <a:ext cx="813046" cy="246864"/>
+            </a:xfrm>
+            <a:prstGeom prst="rect">
+              <a:avLst/>
+            </a:prstGeom>
+          </p:spPr>
+          <p:style>
+            <a:lnRef idx="2">
+              <a:schemeClr val="accent6"/>
+            </a:lnRef>
+            <a:fillRef idx="1">
+              <a:schemeClr val="lt1"/>
+            </a:fillRef>
+            <a:effectRef idx="0">
+              <a:schemeClr val="accent6"/>
+            </a:effectRef>
+            <a:fontRef idx="minor">
+              <a:schemeClr val="dk1"/>
+            </a:fontRef>
+          </p:style>
+          <p:txBody>
+            <a:bodyPr rtlCol="0" anchor="ctr"/>
+            <a:lstStyle/>
+            <a:p>
+              <a:pPr algn="ctr"/>
+              <a:endParaRPr lang="en-US"/>
+            </a:p>
+          </p:txBody>
+        </p:sp>
+        <p:sp>
+          <p:nvSpPr>
+            <p:cNvPr id="87" name="Triangle 86"/>
+            <p:cNvSpPr/>
+            <p:nvPr/>
+          </p:nvSpPr>
+          <p:spPr>
+            <a:xfrm flipH="1" flipV="1">
+              <a:off x="2905564" y="1719447"/>
+              <a:ext cx="164470" cy="92923"/>
+            </a:xfrm>
+            <a:prstGeom prst="triangle">
+              <a:avLst/>
+            </a:prstGeom>
+          </p:spPr>
+          <p:style>
+            <a:lnRef idx="2">
+              <a:schemeClr val="dk1">
+                <a:shade val="50000"/>
+              </a:schemeClr>
+            </a:lnRef>
+            <a:fillRef idx="1">
+              <a:schemeClr val="dk1"/>
+            </a:fillRef>
+            <a:effectRef idx="0">
+              <a:schemeClr val="dk1"/>
+            </a:effectRef>
+            <a:fontRef idx="minor">
+              <a:schemeClr val="lt1"/>
+            </a:fontRef>
+          </p:style>
+          <p:txBody>
+            <a:bodyPr rtlCol="0" anchor="ctr"/>
+            <a:lstStyle/>
+            <a:p>
+              <a:pPr algn="ctr"/>
+              <a:endParaRPr lang="en-US"/>
+            </a:p>
+          </p:txBody>
+        </p:sp>
+      </p:grpSp>
     </p:spTree>
     <p:extLst>
       <p:ext uri="{BB962C8B-B14F-4D97-AF65-F5344CB8AC3E}">
